--- a/Gp.pptx
+++ b/Gp.pptx
@@ -6,6 +6,8 @@
   </p:sldMasterIdLst>
   <p:sldIdLst>
     <p:sldId id="256" r:id="rId2"/>
+    <p:sldId id="258" r:id="rId3"/>
+    <p:sldId id="257" r:id="rId4"/>
   </p:sldIdLst>
   <p:sldSz cx="12192000" cy="6858000"/>
   <p:notesSz cx="6858000" cy="9144000"/>
@@ -104,6 +106,11 @@
       </a:defRPr>
     </a:lvl9pPr>
   </p:defaultTextStyle>
+  <p:extLst>
+    <p:ext uri="{EFAFB233-063F-42B5-8137-9DF3F51BA10A}">
+      <p15:sldGuideLst xmlns:p15="http://schemas.microsoft.com/office/powerpoint/2012/main"/>
+    </p:ext>
+  </p:extLst>
 </p:presentation>
 </file>
 
@@ -13311,6 +13318,218 @@
 </p:sld>
 </file>
 
+<file path=ppt/slides/slide2.xml><?xml version="1.0" encoding="utf-8"?>
+<p:sld xmlns:a="http://schemas.openxmlformats.org/drawingml/2006/main" xmlns:r="http://schemas.openxmlformats.org/officeDocument/2006/relationships" xmlns:p="http://schemas.openxmlformats.org/presentationml/2006/main">
+  <p:cSld>
+    <p:spTree>
+      <p:nvGrpSpPr>
+        <p:cNvPr id="1" name=""/>
+        <p:cNvGrpSpPr/>
+        <p:nvPr/>
+      </p:nvGrpSpPr>
+      <p:grpSpPr>
+        <a:xfrm>
+          <a:off x="0" y="0"/>
+          <a:ext cx="0" cy="0"/>
+          <a:chOff x="0" y="0"/>
+          <a:chExt cx="0" cy="0"/>
+        </a:xfrm>
+      </p:grpSpPr>
+      <p:sp>
+        <p:nvSpPr>
+          <p:cNvPr id="2" name="Title 1"/>
+          <p:cNvSpPr>
+            <a:spLocks noGrp="1"/>
+          </p:cNvSpPr>
+          <p:nvPr>
+            <p:ph type="title"/>
+          </p:nvPr>
+        </p:nvSpPr>
+        <p:spPr/>
+        <p:txBody>
+          <a:bodyPr/>
+          <a:lstStyle/>
+          <a:p>
+            <a:r>
+              <a:rPr lang="en-US" b="1" u="sng" dirty="0"/>
+              <a:t>Top Assistive Technology for Speech Difficulties</a:t>
+            </a:r>
+            <a:r>
+              <a:rPr lang="en-US" dirty="0"/>
+              <a:t/>
+            </a:r>
+            <a:br>
+              <a:rPr lang="en-US" dirty="0"/>
+            </a:br>
+            <a:endParaRPr lang="en-US" dirty="0"/>
+          </a:p>
+        </p:txBody>
+      </p:sp>
+      <p:sp>
+        <p:nvSpPr>
+          <p:cNvPr id="3" name="Content Placeholder 2"/>
+          <p:cNvSpPr>
+            <a:spLocks noGrp="1"/>
+          </p:cNvSpPr>
+          <p:nvPr>
+            <p:ph idx="1"/>
+          </p:nvPr>
+        </p:nvSpPr>
+        <p:spPr/>
+        <p:txBody>
+          <a:bodyPr/>
+          <a:lstStyle/>
+          <a:p>
+            <a:pPr marL="0" indent="0">
+              <a:buNone/>
+            </a:pPr>
+            <a:r>
+              <a:rPr lang="en-US" b="1" dirty="0"/>
+              <a:t>These assistive apps help students with speech difficulties or disabilities communicate.</a:t>
+            </a:r>
+            <a:endParaRPr lang="en-US" dirty="0"/>
+          </a:p>
+          <a:p>
+            <a:pPr marL="0" indent="0">
+              <a:buNone/>
+            </a:pPr>
+            <a:r>
+              <a:rPr lang="en-US" b="1" u="sng" dirty="0"/>
+              <a:t>1-Speech Journal</a:t>
+            </a:r>
+            <a:endParaRPr lang="en-US" b="1" dirty="0"/>
+          </a:p>
+          <a:p>
+            <a:r>
+              <a:rPr lang="en-US" b="1" dirty="0"/>
+              <a:t>Audio wed to images for multiple learning/teaching goals.</a:t>
+            </a:r>
+          </a:p>
+          <a:p>
+            <a:r>
+              <a:rPr lang="en-US" dirty="0"/>
+              <a:t>Price:  $</a:t>
+            </a:r>
+            <a:r>
+              <a:rPr lang="en-US" dirty="0" smtClean="0"/>
+              <a:t>3.99.</a:t>
+            </a:r>
+            <a:r>
+              <a:rPr lang="en-US" dirty="0"/>
+              <a:t> </a:t>
+            </a:r>
+          </a:p>
+          <a:p>
+            <a:r>
+              <a:rPr lang="en-US" dirty="0" smtClean="0"/>
+              <a:t>Platforms</a:t>
+            </a:r>
+            <a:r>
+              <a:rPr lang="en-US" dirty="0"/>
+              <a:t>:  </a:t>
+            </a:r>
+            <a:r>
+              <a:rPr lang="en-US" dirty="0" smtClean="0"/>
+              <a:t>iPad.</a:t>
+            </a:r>
+            <a:endParaRPr lang="en-US" dirty="0"/>
+          </a:p>
+          <a:p>
+            <a:pPr marL="0" indent="0">
+              <a:buNone/>
+            </a:pPr>
+            <a:endParaRPr lang="en-US" dirty="0"/>
+          </a:p>
+        </p:txBody>
+      </p:sp>
+    </p:spTree>
+    <p:extLst>
+      <p:ext uri="{BB962C8B-B14F-4D97-AF65-F5344CB8AC3E}">
+        <p14:creationId xmlns:p14="http://schemas.microsoft.com/office/powerpoint/2010/main" val="1119990882"/>
+      </p:ext>
+    </p:extLst>
+  </p:cSld>
+  <p:clrMapOvr>
+    <a:masterClrMapping/>
+  </p:clrMapOvr>
+</p:sld>
+</file>
+
+<file path=ppt/slides/slide3.xml><?xml version="1.0" encoding="utf-8"?>
+<p:sld xmlns:a="http://schemas.openxmlformats.org/drawingml/2006/main" xmlns:r="http://schemas.openxmlformats.org/officeDocument/2006/relationships" xmlns:p="http://schemas.openxmlformats.org/presentationml/2006/main">
+  <p:cSld>
+    <p:spTree>
+      <p:nvGrpSpPr>
+        <p:cNvPr id="1" name=""/>
+        <p:cNvGrpSpPr/>
+        <p:nvPr/>
+      </p:nvGrpSpPr>
+      <p:grpSpPr>
+        <a:xfrm>
+          <a:off x="0" y="0"/>
+          <a:ext cx="0" cy="0"/>
+          <a:chOff x="0" y="0"/>
+          <a:chExt cx="0" cy="0"/>
+        </a:xfrm>
+      </p:grpSpPr>
+      <p:sp>
+        <p:nvSpPr>
+          <p:cNvPr id="2" name="Title 1"/>
+          <p:cNvSpPr>
+            <a:spLocks noGrp="1"/>
+          </p:cNvSpPr>
+          <p:nvPr>
+            <p:ph type="title"/>
+          </p:nvPr>
+        </p:nvSpPr>
+        <p:spPr/>
+        <p:txBody>
+          <a:bodyPr/>
+          <a:lstStyle/>
+          <a:p>
+            <a:endParaRPr lang="en-US"/>
+          </a:p>
+        </p:txBody>
+      </p:sp>
+      <p:sp>
+        <p:nvSpPr>
+          <p:cNvPr id="3" name="Content Placeholder 2"/>
+          <p:cNvSpPr>
+            <a:spLocks noGrp="1"/>
+          </p:cNvSpPr>
+          <p:nvPr>
+            <p:ph idx="1"/>
+          </p:nvPr>
+        </p:nvSpPr>
+        <p:spPr/>
+        <p:txBody>
+          <a:bodyPr/>
+          <a:lstStyle/>
+          <a:p>
+            <a:r>
+              <a:rPr lang="en-US" b="1" u="sng" dirty="0"/>
+              <a:t>https://www.commonsense.org/education/top-picks/top-assistive-technology-for-speech-difficulties</a:t>
+            </a:r>
+            <a:endParaRPr lang="en-US" dirty="0"/>
+          </a:p>
+          <a:p>
+            <a:endParaRPr lang="en-US" dirty="0"/>
+          </a:p>
+        </p:txBody>
+      </p:sp>
+    </p:spTree>
+    <p:extLst>
+      <p:ext uri="{BB962C8B-B14F-4D97-AF65-F5344CB8AC3E}">
+        <p14:creationId xmlns:p14="http://schemas.microsoft.com/office/powerpoint/2010/main" val="1048004491"/>
+      </p:ext>
+    </p:extLst>
+  </p:cSld>
+  <p:clrMapOvr>
+    <a:masterClrMapping/>
+  </p:clrMapOvr>
+</p:sld>
+</file>
+
 <file path=ppt/theme/theme1.xml><?xml version="1.0" encoding="utf-8"?>
 <a:theme xmlns:a="http://schemas.openxmlformats.org/drawingml/2006/main" name="Ion Boardroom">
   <a:themeElements>

--- a/Gp.pptx
+++ b/Gp.pptx
@@ -5,9 +5,11 @@
     <p:sldMasterId id="2147483648" r:id="rId1"/>
   </p:sldMasterIdLst>
   <p:sldIdLst>
-    <p:sldId id="256" r:id="rId2"/>
+    <p:sldId id="259" r:id="rId2"/>
     <p:sldId id="258" r:id="rId3"/>
     <p:sldId id="257" r:id="rId4"/>
+    <p:sldId id="260" r:id="rId5"/>
+    <p:sldId id="261" r:id="rId6"/>
   </p:sldIdLst>
   <p:sldSz cx="12192000" cy="6858000"/>
   <p:notesSz cx="6858000" cy="9144000"/>
@@ -450,7 +452,7 @@
             <a:fld id="{5923F103-BC34-4FE4-A40E-EDDEECFDA5D0}" type="datetimeFigureOut">
               <a:rPr lang="en-US" dirty="0"/>
               <a:pPr/>
-              <a:t>11/25/2018</a:t>
+              <a:t>11/26/2018</a:t>
             </a:fld>
             <a:endParaRPr lang="en-US" dirty="0"/>
           </a:p>
@@ -1538,7 +1540,7 @@
           <a:p>
             <a:fld id="{923A1CC3-2375-41D4-9E03-427CAF2A4C1A}" type="datetimeFigureOut">
               <a:rPr lang="en-US" dirty="0"/>
-              <a:t>11/25/2018</a:t>
+              <a:t>11/26/2018</a:t>
             </a:fld>
             <a:endParaRPr lang="en-US" dirty="0"/>
           </a:p>
@@ -2518,7 +2520,7 @@
           <a:p>
             <a:fld id="{AFF16868-8199-4C2C-A5B1-63AEE139F88E}" type="datetimeFigureOut">
               <a:rPr lang="en-US" dirty="0"/>
-              <a:t>11/25/2018</a:t>
+              <a:t>11/26/2018</a:t>
             </a:fld>
             <a:endParaRPr lang="en-US" dirty="0"/>
           </a:p>
@@ -3652,7 +3654,7 @@
           <a:p>
             <a:fld id="{AAD9FF7F-6988-44CC-821B-644E70CD2F73}" type="datetimeFigureOut">
               <a:rPr lang="en-US" dirty="0"/>
-              <a:t>11/25/2018</a:t>
+              <a:t>11/26/2018</a:t>
             </a:fld>
             <a:endParaRPr lang="en-US" dirty="0"/>
           </a:p>
@@ -4685,7 +4687,7 @@
           <a:p>
             <a:fld id="{5C12C299-16B2-4475-990D-751901EACC14}" type="datetimeFigureOut">
               <a:rPr lang="en-US" dirty="0"/>
-              <a:t>11/25/2018</a:t>
+              <a:t>11/26/2018</a:t>
             </a:fld>
             <a:endParaRPr lang="en-US" dirty="0"/>
           </a:p>
@@ -5345,7 +5347,7 @@
           <a:p>
             <a:fld id="{9FE86839-B9D8-4651-8783-F325ECE74E65}" type="datetimeFigureOut">
               <a:rPr lang="en-US" dirty="0"/>
-              <a:t>11/25/2018</a:t>
+              <a:t>11/26/2018</a:t>
             </a:fld>
             <a:endParaRPr lang="en-US" dirty="0"/>
           </a:p>
@@ -6206,7 +6208,7 @@
           <a:p>
             <a:fld id="{FD484F64-32F6-45C5-931F-ADC1662401D0}" type="datetimeFigureOut">
               <a:rPr lang="en-US" dirty="0"/>
-              <a:t>11/25/2018</a:t>
+              <a:t>11/26/2018</a:t>
             </a:fld>
             <a:endParaRPr lang="en-US" dirty="0"/>
           </a:p>
@@ -6396,7 +6398,7 @@
           <a:p>
             <a:fld id="{53086D93-FCAC-47E0-A2EE-787E62CA814C}" type="datetimeFigureOut">
               <a:rPr lang="en-US" dirty="0"/>
-              <a:t>11/25/2018</a:t>
+              <a:t>11/26/2018</a:t>
             </a:fld>
             <a:endParaRPr lang="en-US" dirty="0"/>
           </a:p>
@@ -7368,7 +7370,7 @@
           <a:p>
             <a:fld id="{CDA879A6-0FD0-4734-A311-86BFCA472E6E}" type="datetimeFigureOut">
               <a:rPr lang="en-US" dirty="0"/>
-              <a:t>11/25/2018</a:t>
+              <a:t>11/26/2018</a:t>
             </a:fld>
             <a:endParaRPr lang="en-US" dirty="0"/>
           </a:p>
@@ -7579,7 +7581,7 @@
           <a:p>
             <a:fld id="{19C9CA7B-DFD4-44B5-8C60-D14B8CD1FB59}" type="datetimeFigureOut">
               <a:rPr lang="en-US" dirty="0"/>
-              <a:t>11/25/2018</a:t>
+              <a:t>11/26/2018</a:t>
             </a:fld>
             <a:endParaRPr lang="en-US" dirty="0"/>
           </a:p>
@@ -8613,7 +8615,7 @@
           <a:p>
             <a:fld id="{F34E6425-0181-43F2-84FC-787E803FD2F8}" type="datetimeFigureOut">
               <a:rPr lang="en-US" dirty="0"/>
-              <a:t>11/25/2018</a:t>
+              <a:t>11/26/2018</a:t>
             </a:fld>
             <a:endParaRPr lang="en-US" dirty="0"/>
           </a:p>
@@ -8885,7 +8887,7 @@
           <a:p>
             <a:fld id="{3BDB8791-F1B0-41E7-B7FD-A781E65C4266}" type="datetimeFigureOut">
               <a:rPr lang="en-US" dirty="0"/>
-              <a:t>11/25/2018</a:t>
+              <a:t>11/26/2018</a:t>
             </a:fld>
             <a:endParaRPr lang="en-US" dirty="0"/>
           </a:p>
@@ -9295,7 +9297,7 @@
           <a:p>
             <a:fld id="{5FDD63B2-E120-4ED8-B27B-C685F510A5FE}" type="datetimeFigureOut">
               <a:rPr lang="en-US" dirty="0"/>
-              <a:t>11/25/2018</a:t>
+              <a:t>11/26/2018</a:t>
             </a:fld>
             <a:endParaRPr lang="en-US" dirty="0"/>
           </a:p>
@@ -9422,7 +9424,7 @@
           <a:p>
             <a:fld id="{7AA18ACC-A947-437B-A130-35BD54FDF1E9}" type="datetimeFigureOut">
               <a:rPr lang="en-US" dirty="0"/>
-              <a:t>11/25/2018</a:t>
+              <a:t>11/26/2018</a:t>
             </a:fld>
             <a:endParaRPr lang="en-US" dirty="0"/>
           </a:p>
@@ -9517,7 +9519,7 @@
           <a:p>
             <a:fld id="{7C8D7E02-BCB8-4D50-A234-369438C08659}" type="datetimeFigureOut">
               <a:rPr lang="en-US" dirty="0"/>
-              <a:t>11/25/2018</a:t>
+              <a:t>11/26/2018</a:t>
             </a:fld>
             <a:endParaRPr lang="en-US" dirty="0"/>
           </a:p>
@@ -10598,7 +10600,7 @@
           <a:p>
             <a:fld id="{76E86A4C-8E40-4F87-A4F0-01A0687C5742}" type="datetimeFigureOut">
               <a:rPr lang="en-US" dirty="0"/>
-              <a:t>11/25/2018</a:t>
+              <a:t>11/26/2018</a:t>
             </a:fld>
             <a:endParaRPr lang="en-US" dirty="0"/>
           </a:p>
@@ -11706,7 +11708,7 @@
           <a:p>
             <a:fld id="{35E72C73-2D91-4E12-BA25-F0AA0C03599B}" type="datetimeFigureOut">
               <a:rPr lang="en-US" dirty="0"/>
-              <a:t>11/25/2018</a:t>
+              <a:t>11/26/2018</a:t>
             </a:fld>
             <a:endParaRPr lang="en-US" dirty="0"/>
           </a:p>
@@ -12703,7 +12705,7 @@
           <a:p>
             <a:fld id="{2BE451C3-0FF4-47C4-B829-773ADF60F88C}" type="datetimeFigureOut">
               <a:rPr lang="en-US" dirty="0"/>
-              <a:t>11/25/2018</a:t>
+              <a:t>11/26/2018</a:t>
             </a:fld>
             <a:endParaRPr lang="en-US" dirty="0"/>
           </a:p>
@@ -13273,14 +13275,20 @@
             <p:ph type="ctrTitle"/>
           </p:nvPr>
         </p:nvSpPr>
-        <p:spPr/>
+        <p:spPr>
+          <a:xfrm>
+            <a:off x="1996226" y="2833353"/>
+            <a:ext cx="7804598" cy="1287888"/>
+          </a:xfrm>
+        </p:spPr>
         <p:txBody>
           <a:bodyPr/>
           <a:lstStyle/>
           <a:p>
+            <a:pPr algn="ctr"/>
             <a:r>
-              <a:rPr lang="en-US" dirty="0" err="1" smtClean="0"/>
-              <a:t>Gp</a:t>
+              <a:rPr lang="en-US" dirty="0" smtClean="0"/>
+              <a:t>Rehabilitation Tool</a:t>
             </a:r>
             <a:endParaRPr lang="en-US" dirty="0"/>
           </a:p>
@@ -13308,13 +13316,20 @@
     </p:spTree>
     <p:extLst>
       <p:ext uri="{BB962C8B-B14F-4D97-AF65-F5344CB8AC3E}">
-        <p14:creationId xmlns:p14="http://schemas.microsoft.com/office/powerpoint/2010/main" val="1544012058"/>
+        <p14:creationId xmlns:p14="http://schemas.microsoft.com/office/powerpoint/2010/main" val="17352968"/>
       </p:ext>
     </p:extLst>
   </p:cSld>
   <p:clrMapOvr>
     <a:masterClrMapping/>
   </p:clrMapOvr>
+  <p:timing>
+    <p:tnLst>
+      <p:par>
+        <p:cTn id="1" dur="indefinite" restart="never" nodeType="tmRoot"/>
+      </p:par>
+    </p:tnLst>
+  </p:timing>
 </p:sld>
 </file>
 
@@ -13527,6 +13542,168 @@
   <p:clrMapOvr>
     <a:masterClrMapping/>
   </p:clrMapOvr>
+</p:sld>
+</file>
+
+<file path=ppt/slides/slide4.xml><?xml version="1.0" encoding="utf-8"?>
+<p:sld xmlns:a="http://schemas.openxmlformats.org/drawingml/2006/main" xmlns:r="http://schemas.openxmlformats.org/officeDocument/2006/relationships" xmlns:p="http://schemas.openxmlformats.org/presentationml/2006/main">
+  <p:cSld>
+    <p:spTree>
+      <p:nvGrpSpPr>
+        <p:cNvPr id="1" name=""/>
+        <p:cNvGrpSpPr/>
+        <p:nvPr/>
+      </p:nvGrpSpPr>
+      <p:grpSpPr>
+        <a:xfrm>
+          <a:off x="0" y="0"/>
+          <a:ext cx="0" cy="0"/>
+          <a:chOff x="0" y="0"/>
+          <a:chExt cx="0" cy="0"/>
+        </a:xfrm>
+      </p:grpSpPr>
+      <p:sp>
+        <p:nvSpPr>
+          <p:cNvPr id="2" name="Title 1"/>
+          <p:cNvSpPr>
+            <a:spLocks noGrp="1"/>
+          </p:cNvSpPr>
+          <p:nvPr>
+            <p:ph type="ctrTitle"/>
+          </p:nvPr>
+        </p:nvSpPr>
+        <p:spPr>
+          <a:xfrm>
+            <a:off x="2262539" y="2807592"/>
+            <a:ext cx="8825658" cy="965235"/>
+          </a:xfrm>
+        </p:spPr>
+        <p:txBody>
+          <a:bodyPr/>
+          <a:lstStyle/>
+          <a:p>
+            <a:r>
+              <a:rPr lang="en-US" dirty="0" smtClean="0"/>
+              <a:t>Arabic Applications</a:t>
+            </a:r>
+            <a:endParaRPr lang="en-US" dirty="0"/>
+          </a:p>
+        </p:txBody>
+      </p:sp>
+      <p:sp>
+        <p:nvSpPr>
+          <p:cNvPr id="3" name="Subtitle 2"/>
+          <p:cNvSpPr>
+            <a:spLocks noGrp="1"/>
+          </p:cNvSpPr>
+          <p:nvPr>
+            <p:ph type="subTitle" idx="1"/>
+          </p:nvPr>
+        </p:nvSpPr>
+        <p:spPr/>
+        <p:txBody>
+          <a:bodyPr/>
+          <a:lstStyle/>
+          <a:p>
+            <a:endParaRPr lang="en-US"/>
+          </a:p>
+        </p:txBody>
+      </p:sp>
+    </p:spTree>
+    <p:extLst>
+      <p:ext uri="{BB962C8B-B14F-4D97-AF65-F5344CB8AC3E}">
+        <p14:creationId xmlns:p14="http://schemas.microsoft.com/office/powerpoint/2010/main" val="73596527"/>
+      </p:ext>
+    </p:extLst>
+  </p:cSld>
+  <p:clrMapOvr>
+    <a:masterClrMapping/>
+  </p:clrMapOvr>
+</p:sld>
+</file>
+
+<file path=ppt/slides/slide5.xml><?xml version="1.0" encoding="utf-8"?>
+<p:sld xmlns:a="http://schemas.openxmlformats.org/drawingml/2006/main" xmlns:r="http://schemas.openxmlformats.org/officeDocument/2006/relationships" xmlns:p="http://schemas.openxmlformats.org/presentationml/2006/main">
+  <p:cSld>
+    <p:spTree>
+      <p:nvGrpSpPr>
+        <p:cNvPr id="1" name=""/>
+        <p:cNvGrpSpPr/>
+        <p:nvPr/>
+      </p:nvGrpSpPr>
+      <p:grpSpPr>
+        <a:xfrm>
+          <a:off x="0" y="0"/>
+          <a:ext cx="0" cy="0"/>
+          <a:chOff x="0" y="0"/>
+          <a:chExt cx="0" cy="0"/>
+        </a:xfrm>
+      </p:grpSpPr>
+      <p:sp>
+        <p:nvSpPr>
+          <p:cNvPr id="2" name="Title 1"/>
+          <p:cNvSpPr>
+            <a:spLocks noGrp="1"/>
+          </p:cNvSpPr>
+          <p:nvPr>
+            <p:ph type="title"/>
+          </p:nvPr>
+        </p:nvSpPr>
+        <p:spPr/>
+        <p:txBody>
+          <a:bodyPr/>
+          <a:lstStyle/>
+          <a:p>
+            <a:r>
+              <a:rPr lang="en-US" dirty="0"/>
+              <a:t>For Difficulty and delay of speech</a:t>
+            </a:r>
+          </a:p>
+        </p:txBody>
+      </p:sp>
+      <p:pic>
+        <p:nvPicPr>
+          <p:cNvPr id="4" name="Content Placeholder 3"/>
+          <p:cNvPicPr>
+            <a:picLocks noGrp="1" noChangeAspect="1"/>
+          </p:cNvPicPr>
+          <p:nvPr>
+            <p:ph idx="1"/>
+          </p:nvPr>
+        </p:nvPicPr>
+        <p:blipFill>
+          <a:blip r:embed="rId2"/>
+          <a:stretch>
+            <a:fillRect/>
+          </a:stretch>
+        </p:blipFill>
+        <p:spPr>
+          <a:xfrm>
+            <a:off x="2807490" y="1854558"/>
+            <a:ext cx="6272116" cy="4770549"/>
+          </a:xfrm>
+          <a:prstGeom prst="rect">
+            <a:avLst/>
+          </a:prstGeom>
+        </p:spPr>
+      </p:pic>
+    </p:spTree>
+    <p:extLst>
+      <p:ext uri="{BB962C8B-B14F-4D97-AF65-F5344CB8AC3E}">
+        <p14:creationId xmlns:p14="http://schemas.microsoft.com/office/powerpoint/2010/main" val="2901186980"/>
+      </p:ext>
+    </p:extLst>
+  </p:cSld>
+  <p:clrMapOvr>
+    <a:masterClrMapping/>
+  </p:clrMapOvr>
+  <p:timing>
+    <p:tnLst>
+      <p:par>
+        <p:cTn id="1" dur="indefinite" restart="never" nodeType="tmRoot"/>
+      </p:par>
+    </p:tnLst>
+  </p:timing>
 </p:sld>
 </file>
 

--- a/Gp.pptx
+++ b/Gp.pptx
@@ -6,10 +6,12 @@
   </p:sldMasterIdLst>
   <p:sldIdLst>
     <p:sldId id="259" r:id="rId2"/>
-    <p:sldId id="258" r:id="rId3"/>
-    <p:sldId id="257" r:id="rId4"/>
-    <p:sldId id="260" r:id="rId5"/>
-    <p:sldId id="261" r:id="rId6"/>
+    <p:sldId id="269" r:id="rId3"/>
+    <p:sldId id="268" r:id="rId4"/>
+    <p:sldId id="264" r:id="rId5"/>
+    <p:sldId id="266" r:id="rId6"/>
+    <p:sldId id="260" r:id="rId7"/>
+    <p:sldId id="267" r:id="rId8"/>
   </p:sldIdLst>
   <p:sldSz cx="12192000" cy="6858000"/>
   <p:notesSz cx="6858000" cy="9144000"/>
@@ -13287,10 +13289,16 @@
           <a:p>
             <a:pPr algn="ctr"/>
             <a:r>
-              <a:rPr lang="en-US" dirty="0" smtClean="0"/>
+              <a:rPr lang="en-US" b="1" dirty="0" smtClean="0">
+                <a:latin typeface="Arial" panose="020B0604020202020204" pitchFamily="34" charset="0"/>
+                <a:cs typeface="Arial" panose="020B0604020202020204" pitchFamily="34" charset="0"/>
+              </a:rPr>
               <a:t>Rehabilitation Tool</a:t>
             </a:r>
-            <a:endParaRPr lang="en-US" dirty="0"/>
+            <a:endParaRPr lang="en-US" b="1" dirty="0">
+              <a:latin typeface="Arial" panose="020B0604020202020204" pitchFamily="34" charset="0"/>
+              <a:cs typeface="Arial" panose="020B0604020202020204" pitchFamily="34" charset="0"/>
+            </a:endParaRPr>
           </a:p>
         </p:txBody>
       </p:sp>
@@ -13360,99 +13368,152 @@
             <p:ph type="title"/>
           </p:nvPr>
         </p:nvSpPr>
-        <p:spPr/>
+        <p:spPr>
+          <a:xfrm>
+            <a:off x="1132009" y="753175"/>
+            <a:ext cx="3865134" cy="1735667"/>
+          </a:xfrm>
+        </p:spPr>
         <p:txBody>
-          <a:bodyPr/>
+          <a:bodyPr>
+            <a:normAutofit fontScale="90000"/>
+          </a:bodyPr>
           <a:lstStyle/>
           <a:p>
             <a:r>
               <a:rPr lang="en-US" b="1" u="sng" dirty="0"/>
-              <a:t>Top Assistive Technology for Speech Difficulties</a:t>
-            </a:r>
-            <a:r>
-              <a:rPr lang="en-US" dirty="0"/>
-              <a:t/>
-            </a:r>
-            <a:br>
-              <a:rPr lang="en-US" dirty="0"/>
-            </a:br>
+              <a:t>Assistive Technology for Speech Difficulties</a:t>
+            </a:r>
             <a:endParaRPr lang="en-US" dirty="0"/>
           </a:p>
         </p:txBody>
       </p:sp>
       <p:sp>
         <p:nvSpPr>
-          <p:cNvPr id="3" name="Content Placeholder 2"/>
+          <p:cNvPr id="3" name="Picture Placeholder 2"/>
           <p:cNvSpPr>
             <a:spLocks noGrp="1"/>
           </p:cNvSpPr>
           <p:nvPr>
-            <p:ph idx="1"/>
+            <p:ph type="pic" idx="1"/>
           </p:nvPr>
         </p:nvSpPr>
         <p:spPr/>
+      </p:sp>
+      <p:sp>
+        <p:nvSpPr>
+          <p:cNvPr id="4" name="Text Placeholder 3"/>
+          <p:cNvSpPr>
+            <a:spLocks noGrp="1"/>
+          </p:cNvSpPr>
+          <p:nvPr>
+            <p:ph type="body" sz="half" idx="2"/>
+          </p:nvPr>
+        </p:nvSpPr>
+        <p:spPr>
+          <a:xfrm>
+            <a:off x="875763" y="2788006"/>
+            <a:ext cx="4318707" cy="2724151"/>
+          </a:xfrm>
+        </p:spPr>
         <p:txBody>
-          <a:bodyPr/>
+          <a:bodyPr>
+            <a:noAutofit/>
+          </a:bodyPr>
           <a:lstStyle/>
           <a:p>
-            <a:pPr marL="0" indent="0">
-              <a:buNone/>
-            </a:pPr>
-            <a:r>
-              <a:rPr lang="en-US" b="1" dirty="0"/>
-              <a:t>These assistive apps help students with speech difficulties or disabilities communicate.</a:t>
-            </a:r>
-            <a:endParaRPr lang="en-US" dirty="0"/>
-          </a:p>
-          <a:p>
-            <a:pPr marL="0" indent="0">
-              <a:buNone/>
-            </a:pPr>
-            <a:r>
-              <a:rPr lang="en-US" b="1" u="sng" dirty="0"/>
-              <a:t>1-Speech Journal</a:t>
-            </a:r>
-            <a:endParaRPr lang="en-US" b="1" dirty="0"/>
-          </a:p>
-          <a:p>
-            <a:r>
-              <a:rPr lang="en-US" b="1" dirty="0"/>
+            <a:r>
+              <a:rPr lang="en-US" sz="2000" b="1" u="sng" dirty="0" smtClean="0"/>
+              <a:t>Speech </a:t>
+            </a:r>
+            <a:r>
+              <a:rPr lang="en-US" sz="2000" b="1" u="sng" dirty="0"/>
+              <a:t>Journal</a:t>
+            </a:r>
+            <a:endParaRPr lang="en-US" sz="2000" b="1" dirty="0"/>
+          </a:p>
+          <a:p>
+            <a:r>
+              <a:rPr lang="en-US" sz="2000" b="1" dirty="0"/>
               <a:t>Audio wed to images for multiple learning/teaching goals.</a:t>
             </a:r>
           </a:p>
           <a:p>
             <a:r>
-              <a:rPr lang="en-US" dirty="0"/>
-              <a:t>Price:  $</a:t>
+              <a:rPr lang="en-US" sz="2000" dirty="0"/>
+              <a:t>Price:  $3.99. </a:t>
+            </a:r>
+          </a:p>
+          <a:p>
+            <a:r>
+              <a:rPr lang="en-US" sz="2000" dirty="0"/>
+              <a:t>Platforms:  iPad.</a:t>
+            </a:r>
+            <a:endParaRPr lang="en-US" sz="2000" dirty="0"/>
+          </a:p>
+        </p:txBody>
+      </p:sp>
+      <p:pic>
+        <p:nvPicPr>
+          <p:cNvPr id="5" name="Picture 4"/>
+          <p:cNvPicPr>
+            <a:picLocks noChangeAspect="1"/>
+          </p:cNvPicPr>
+          <p:nvPr/>
+        </p:nvPicPr>
+        <p:blipFill>
+          <a:blip r:embed="rId2"/>
+          <a:stretch>
+            <a:fillRect/>
+          </a:stretch>
+        </p:blipFill>
+        <p:spPr>
+          <a:xfrm>
+            <a:off x="6378262" y="1232615"/>
+            <a:ext cx="4074895" cy="4482385"/>
+          </a:xfrm>
+          <a:prstGeom prst="rect">
+            <a:avLst/>
+          </a:prstGeom>
+        </p:spPr>
+      </p:pic>
+      <p:sp>
+        <p:nvSpPr>
+          <p:cNvPr id="6" name="Rectangle 5"/>
+          <p:cNvSpPr/>
+          <p:nvPr/>
+        </p:nvSpPr>
+        <p:spPr>
+          <a:xfrm>
+            <a:off x="643943" y="5367833"/>
+            <a:ext cx="4778063" cy="923330"/>
+          </a:xfrm>
+          <a:prstGeom prst="rect">
+            <a:avLst/>
+          </a:prstGeom>
+        </p:spPr>
+        <p:txBody>
+          <a:bodyPr wrap="square">
+            <a:spAutoFit/>
+          </a:bodyPr>
+          <a:lstStyle/>
+          <a:p>
+            <a:r>
+              <a:rPr lang="en-US" dirty="0">
+                <a:hlinkClick r:id="rId3"/>
+              </a:rPr>
+              <a:t>https://</a:t>
+            </a:r>
+            <a:r>
+              <a:rPr lang="en-US" dirty="0" smtClean="0">
+                <a:hlinkClick r:id="rId3"/>
+              </a:rPr>
+              <a:t>www.commonsense.org/education/top-picks/top-assistive-technology-for-speech-difficulties</a:t>
             </a:r>
             <a:r>
               <a:rPr lang="en-US" dirty="0" smtClean="0"/>
-              <a:t>3.99.</a:t>
-            </a:r>
-            <a:r>
-              <a:rPr lang="en-US" dirty="0"/>
-              <a:t> </a:t>
-            </a:r>
-          </a:p>
-          <a:p>
-            <a:r>
-              <a:rPr lang="en-US" dirty="0" smtClean="0"/>
-              <a:t>Platforms</a:t>
-            </a:r>
-            <a:r>
-              <a:rPr lang="en-US" dirty="0"/>
-              <a:t>:  </a:t>
-            </a:r>
-            <a:r>
-              <a:rPr lang="en-US" dirty="0" smtClean="0"/>
-              <a:t>iPad.</a:t>
-            </a:r>
-            <a:endParaRPr lang="en-US" dirty="0"/>
-          </a:p>
-          <a:p>
-            <a:pPr marL="0" indent="0">
-              <a:buNone/>
-            </a:pPr>
+              <a:t> </a:t>
+            </a:r>
             <a:endParaRPr lang="en-US" dirty="0"/>
           </a:p>
         </p:txBody>
@@ -13460,7 +13521,7 @@
     </p:spTree>
     <p:extLst>
       <p:ext uri="{BB962C8B-B14F-4D97-AF65-F5344CB8AC3E}">
-        <p14:creationId xmlns:p14="http://schemas.microsoft.com/office/powerpoint/2010/main" val="1119990882"/>
+        <p14:creationId xmlns:p14="http://schemas.microsoft.com/office/powerpoint/2010/main" val="1150886520"/>
       </p:ext>
     </p:extLst>
   </p:cSld>
@@ -13497,35 +13558,133 @@
             <p:ph type="title"/>
           </p:nvPr>
         </p:nvSpPr>
-        <p:spPr/>
+        <p:spPr>
+          <a:xfrm>
+            <a:off x="631066" y="914401"/>
+            <a:ext cx="5190186" cy="3206838"/>
+          </a:xfrm>
+        </p:spPr>
         <p:txBody>
-          <a:bodyPr/>
+          <a:bodyPr>
+            <a:normAutofit/>
+          </a:bodyPr>
           <a:lstStyle/>
           <a:p>
-            <a:endParaRPr lang="en-US"/>
+            <a:r>
+              <a:rPr lang="en-US" sz="2800" b="1" u="sng" dirty="0" err="1"/>
+              <a:t>Sono</a:t>
+            </a:r>
+            <a:r>
+              <a:rPr lang="en-US" sz="2800" b="1" u="sng" dirty="0"/>
+              <a:t> flex [100$] </a:t>
+            </a:r>
+            <a:r>
+              <a:rPr lang="en-US" sz="2800" b="1" u="sng" dirty="0" smtClean="0"/>
+              <a:t/>
+            </a:r>
+            <a:br>
+              <a:rPr lang="en-US" sz="2800" b="1" u="sng" dirty="0" smtClean="0"/>
+            </a:br>
+            <a:r>
+              <a:rPr lang="en-US" sz="2800" b="1" u="sng" dirty="0" smtClean="0"/>
+              <a:t>[</a:t>
+            </a:r>
+            <a:r>
+              <a:rPr lang="en-US" sz="2800" b="1" u="sng" dirty="0"/>
+              <a:t>for IOS devices]</a:t>
+            </a:r>
+            <a:br>
+              <a:rPr lang="en-US" sz="2800" b="1" u="sng" dirty="0"/>
+            </a:br>
+            <a:r>
+              <a:rPr lang="ar-EG" sz="2000" dirty="0"/>
+              <a:t/>
+            </a:r>
+            <a:br>
+              <a:rPr lang="ar-EG" sz="2000" dirty="0"/>
+            </a:br>
+            <a:r>
+              <a:rPr lang="en-US" sz="2000" dirty="0"/>
+              <a:t>Make sentences by choosing photos and this sentences converted from text to speech . </a:t>
+            </a:r>
+            <a:br>
+              <a:rPr lang="en-US" sz="2000" dirty="0"/>
+            </a:br>
+            <a:endParaRPr lang="en-US" sz="2000" dirty="0"/>
           </a:p>
         </p:txBody>
       </p:sp>
       <p:sp>
         <p:nvSpPr>
-          <p:cNvPr id="3" name="Content Placeholder 2"/>
+          <p:cNvPr id="3" name="Picture Placeholder 2"/>
           <p:cNvSpPr>
             <a:spLocks noGrp="1"/>
           </p:cNvSpPr>
           <p:nvPr>
-            <p:ph idx="1"/>
+            <p:ph type="pic" idx="1"/>
           </p:nvPr>
         </p:nvSpPr>
         <p:spPr/>
+      </p:sp>
+      <p:pic>
+        <p:nvPicPr>
+          <p:cNvPr id="5" name="Picture 4"/>
+          <p:cNvPicPr>
+            <a:picLocks noChangeAspect="1"/>
+          </p:cNvPicPr>
+          <p:nvPr/>
+        </p:nvPicPr>
+        <p:blipFill>
+          <a:blip r:embed="rId2"/>
+          <a:stretch>
+            <a:fillRect/>
+          </a:stretch>
+        </p:blipFill>
+        <p:spPr>
+          <a:xfrm>
+            <a:off x="6764105" y="1143000"/>
+            <a:ext cx="2794721" cy="4839639"/>
+          </a:xfrm>
+          <a:prstGeom prst="rect">
+            <a:avLst/>
+          </a:prstGeom>
+        </p:spPr>
+      </p:pic>
+      <p:sp>
+        <p:nvSpPr>
+          <p:cNvPr id="4" name="Text Placeholder 3"/>
+          <p:cNvSpPr>
+            <a:spLocks noGrp="1"/>
+          </p:cNvSpPr>
+          <p:nvPr>
+            <p:ph type="body" sz="half" idx="2"/>
+          </p:nvPr>
+        </p:nvSpPr>
+        <p:spPr>
+          <a:xfrm>
+            <a:off x="746975" y="4443212"/>
+            <a:ext cx="4662152" cy="585988"/>
+          </a:xfrm>
+        </p:spPr>
         <p:txBody>
-          <a:bodyPr/>
+          <a:bodyPr>
+            <a:normAutofit/>
+          </a:bodyPr>
           <a:lstStyle/>
           <a:p>
             <a:r>
-              <a:rPr lang="en-US" b="1" u="sng" dirty="0"/>
-              <a:t>https://www.commonsense.org/education/top-picks/top-assistive-technology-for-speech-difficulties</a:t>
-            </a:r>
-            <a:endParaRPr lang="en-US" dirty="0"/>
+              <a:rPr lang="en-US" dirty="0">
+                <a:hlinkClick r:id="rId3"/>
+              </a:rPr>
+              <a:t>https://www.tobiidynavox.com/en-us/software/content/sono-flex-for-communicator-5</a:t>
+            </a:r>
+            <a:r>
+              <a:rPr lang="en-US" dirty="0" smtClean="0">
+                <a:hlinkClick r:id="rId3"/>
+              </a:rPr>
+              <a:t>/</a:t>
+            </a:r>
+            <a:endParaRPr lang="en-US" dirty="0" smtClean="0"/>
           </a:p>
           <a:p>
             <a:endParaRPr lang="en-US" dirty="0"/>
@@ -13535,7 +13694,7 @@
     </p:spTree>
     <p:extLst>
       <p:ext uri="{BB962C8B-B14F-4D97-AF65-F5344CB8AC3E}">
-        <p14:creationId xmlns:p14="http://schemas.microsoft.com/office/powerpoint/2010/main" val="1048004491"/>
+        <p14:creationId xmlns:p14="http://schemas.microsoft.com/office/powerpoint/2010/main" val="3465921407"/>
       </p:ext>
     </p:extLst>
   </p:cSld>
@@ -13569,13 +13728,13 @@
             <a:spLocks noGrp="1"/>
           </p:cNvSpPr>
           <p:nvPr>
-            <p:ph type="ctrTitle"/>
+            <p:ph type="title"/>
           </p:nvPr>
         </p:nvSpPr>
         <p:spPr>
           <a:xfrm>
-            <a:off x="2262539" y="2807592"/>
-            <a:ext cx="8825658" cy="965235"/>
+            <a:off x="746975" y="2677645"/>
+            <a:ext cx="5254579" cy="2283824"/>
           </a:xfrm>
         </p:spPr>
         <p:txBody>
@@ -13583,21 +13742,46 @@
           <a:lstStyle/>
           <a:p>
             <a:r>
-              <a:rPr lang="en-US" dirty="0" smtClean="0"/>
-              <a:t>Arabic Applications</a:t>
-            </a:r>
-            <a:endParaRPr lang="en-US" dirty="0"/>
+              <a:rPr lang="en-US" sz="2400" b="1" u="sng" dirty="0" smtClean="0"/>
+              <a:t>fluency </a:t>
+            </a:r>
+            <a:r>
+              <a:rPr lang="en-US" sz="2400" b="1" u="sng" dirty="0"/>
+              <a:t>tracker [10$] </a:t>
+            </a:r>
+            <a:r>
+              <a:rPr lang="ar-EG" sz="2400" b="1" u="sng" dirty="0"/>
+              <a:t/>
+            </a:r>
+            <a:br>
+              <a:rPr lang="ar-EG" sz="2400" b="1" u="sng" dirty="0"/>
+            </a:br>
+            <a:r>
+              <a:rPr lang="ar-EG" sz="2000" dirty="0"/>
+              <a:t/>
+            </a:r>
+            <a:br>
+              <a:rPr lang="ar-EG" sz="2000" dirty="0"/>
+            </a:br>
+            <a:r>
+              <a:rPr lang="en-US" sz="2000" dirty="0"/>
+              <a:t>For iPhone, specific for stuttering By ask parents some questions about when, with whom and so on then make results depend on this answers. </a:t>
+            </a:r>
+            <a:br>
+              <a:rPr lang="en-US" sz="2000" dirty="0"/>
+            </a:br>
+            <a:endParaRPr lang="en-US" sz="2000" dirty="0"/>
           </a:p>
         </p:txBody>
       </p:sp>
       <p:sp>
         <p:nvSpPr>
-          <p:cNvPr id="3" name="Subtitle 2"/>
+          <p:cNvPr id="3" name="Text Placeholder 2"/>
           <p:cNvSpPr>
             <a:spLocks noGrp="1"/>
           </p:cNvSpPr>
           <p:nvPr>
-            <p:ph type="subTitle" idx="1"/>
+            <p:ph type="body" idx="1"/>
           </p:nvPr>
         </p:nvSpPr>
         <p:spPr/>
@@ -13605,14 +13789,38 @@
           <a:bodyPr/>
           <a:lstStyle/>
           <a:p>
-            <a:endParaRPr lang="en-US"/>
+            <a:endParaRPr lang="en-US" dirty="0"/>
           </a:p>
         </p:txBody>
       </p:sp>
+      <p:pic>
+        <p:nvPicPr>
+          <p:cNvPr id="4" name="Picture 3"/>
+          <p:cNvPicPr>
+            <a:picLocks noChangeAspect="1"/>
+          </p:cNvPicPr>
+          <p:nvPr/>
+        </p:nvPicPr>
+        <p:blipFill>
+          <a:blip r:embed="rId2"/>
+          <a:stretch>
+            <a:fillRect/>
+          </a:stretch>
+        </p:blipFill>
+        <p:spPr>
+          <a:xfrm>
+            <a:off x="7061094" y="2273464"/>
+            <a:ext cx="3426473" cy="3092183"/>
+          </a:xfrm>
+          <a:prstGeom prst="rect">
+            <a:avLst/>
+          </a:prstGeom>
+        </p:spPr>
+      </p:pic>
     </p:spTree>
     <p:extLst>
       <p:ext uri="{BB962C8B-B14F-4D97-AF65-F5344CB8AC3E}">
-        <p14:creationId xmlns:p14="http://schemas.microsoft.com/office/powerpoint/2010/main" val="73596527"/>
+        <p14:creationId xmlns:p14="http://schemas.microsoft.com/office/powerpoint/2010/main" val="1610305181"/>
       </p:ext>
     </p:extLst>
   </p:cSld>
@@ -13649,27 +13857,110 @@
             <p:ph type="title"/>
           </p:nvPr>
         </p:nvSpPr>
-        <p:spPr/>
+        <p:spPr>
+          <a:xfrm>
+            <a:off x="947114" y="1854557"/>
+            <a:ext cx="4182962" cy="2617632"/>
+          </a:xfrm>
+        </p:spPr>
+        <p:txBody>
+          <a:bodyPr>
+            <a:normAutofit fontScale="90000"/>
+          </a:bodyPr>
+          <a:lstStyle/>
+          <a:p>
+            <a:r>
+              <a:rPr lang="en-US" sz="2700" b="1" dirty="0"/>
+              <a:t>A</a:t>
+            </a:r>
+            <a:r>
+              <a:rPr lang="en-US" sz="2700" b="1" dirty="0" smtClean="0"/>
+              <a:t>phasia </a:t>
+            </a:r>
+            <a:r>
+              <a:rPr lang="en-US" sz="2700" b="1" dirty="0"/>
+              <a:t>speech therapy </a:t>
+            </a:r>
+            <a:r>
+              <a:rPr lang="en-US" sz="2700" b="1" dirty="0" smtClean="0"/>
+              <a:t/>
+            </a:r>
+            <a:br>
+              <a:rPr lang="en-US" sz="2700" b="1" dirty="0" smtClean="0"/>
+            </a:br>
+            <a:r>
+              <a:rPr lang="en-US" sz="2700" b="1" dirty="0" smtClean="0"/>
+              <a:t>               </a:t>
+            </a:r>
+            <a:r>
+              <a:rPr lang="en-US" sz="2000" b="1" dirty="0" smtClean="0"/>
+              <a:t>[ free ]</a:t>
+            </a:r>
+            <a:br>
+              <a:rPr lang="en-US" sz="2000" b="1" dirty="0" smtClean="0"/>
+            </a:br>
+            <a:r>
+              <a:rPr lang="en-US" sz="2000" dirty="0" smtClean="0"/>
+              <a:t/>
+            </a:r>
+            <a:br>
+              <a:rPr lang="en-US" sz="2000" dirty="0" smtClean="0"/>
+            </a:br>
+            <a:r>
+              <a:rPr lang="en-US" sz="2000" dirty="0" smtClean="0"/>
+              <a:t>Click </a:t>
+            </a:r>
+            <a:r>
+              <a:rPr lang="en-US" sz="2000" dirty="0"/>
+              <a:t>on photos that contain numbers, food and emotions to listen them He can also write sentence and listen it or even record it.</a:t>
+            </a:r>
+            <a:endParaRPr lang="en-US" sz="2000" dirty="0"/>
+          </a:p>
+        </p:txBody>
+      </p:sp>
+      <p:sp>
+        <p:nvSpPr>
+          <p:cNvPr id="4" name="Text Placeholder 3"/>
+          <p:cNvSpPr>
+            <a:spLocks noGrp="1"/>
+          </p:cNvSpPr>
+          <p:nvPr>
+            <p:ph type="body" sz="half" idx="2"/>
+          </p:nvPr>
+        </p:nvSpPr>
+        <p:spPr>
+          <a:xfrm>
+            <a:off x="1270864" y="5125791"/>
+            <a:ext cx="3859212" cy="1371600"/>
+          </a:xfrm>
+        </p:spPr>
         <p:txBody>
           <a:bodyPr/>
           <a:lstStyle/>
           <a:p>
-            <a:r>
-              <a:rPr lang="en-US" dirty="0"/>
-              <a:t>For Difficulty and delay of speech</a:t>
-            </a:r>
+            <a:endParaRPr lang="en-US" dirty="0"/>
           </a:p>
         </p:txBody>
+      </p:sp>
+      <p:sp>
+        <p:nvSpPr>
+          <p:cNvPr id="7" name="Picture Placeholder 6"/>
+          <p:cNvSpPr>
+            <a:spLocks noGrp="1"/>
+          </p:cNvSpPr>
+          <p:nvPr>
+            <p:ph type="pic" idx="1"/>
+          </p:nvPr>
+        </p:nvSpPr>
+        <p:spPr/>
       </p:sp>
       <p:pic>
         <p:nvPicPr>
-          <p:cNvPr id="4" name="Content Placeholder 3"/>
+          <p:cNvPr id="8" name="Picture 7"/>
           <p:cNvPicPr>
-            <a:picLocks noGrp="1" noChangeAspect="1"/>
+            <a:picLocks noChangeAspect="1"/>
           </p:cNvPicPr>
-          <p:nvPr>
-            <p:ph idx="1"/>
-          </p:nvPr>
+          <p:nvPr/>
         </p:nvPicPr>
         <p:blipFill>
           <a:blip r:embed="rId2"/>
@@ -13679,8 +13970,8 @@
         </p:blipFill>
         <p:spPr>
           <a:xfrm>
-            <a:off x="2807490" y="1854558"/>
-            <a:ext cx="6272116" cy="4770549"/>
+            <a:off x="6689525" y="1970501"/>
+            <a:ext cx="2943882" cy="2916997"/>
           </a:xfrm>
           <a:prstGeom prst="rect">
             <a:avLst/>
@@ -13690,20 +13981,222 @@
     </p:spTree>
     <p:extLst>
       <p:ext uri="{BB962C8B-B14F-4D97-AF65-F5344CB8AC3E}">
-        <p14:creationId xmlns:p14="http://schemas.microsoft.com/office/powerpoint/2010/main" val="2901186980"/>
+        <p14:creationId xmlns:p14="http://schemas.microsoft.com/office/powerpoint/2010/main" val="3051028778"/>
       </p:ext>
     </p:extLst>
   </p:cSld>
   <p:clrMapOvr>
     <a:masterClrMapping/>
   </p:clrMapOvr>
-  <p:timing>
-    <p:tnLst>
-      <p:par>
-        <p:cTn id="1" dur="indefinite" restart="never" nodeType="tmRoot"/>
-      </p:par>
-    </p:tnLst>
-  </p:timing>
+</p:sld>
+</file>
+
+<file path=ppt/slides/slide6.xml><?xml version="1.0" encoding="utf-8"?>
+<p:sld xmlns:a="http://schemas.openxmlformats.org/drawingml/2006/main" xmlns:r="http://schemas.openxmlformats.org/officeDocument/2006/relationships" xmlns:p="http://schemas.openxmlformats.org/presentationml/2006/main">
+  <p:cSld>
+    <p:spTree>
+      <p:nvGrpSpPr>
+        <p:cNvPr id="1" name=""/>
+        <p:cNvGrpSpPr/>
+        <p:nvPr/>
+      </p:nvGrpSpPr>
+      <p:grpSpPr>
+        <a:xfrm>
+          <a:off x="0" y="0"/>
+          <a:ext cx="0" cy="0"/>
+          <a:chOff x="0" y="0"/>
+          <a:chExt cx="0" cy="0"/>
+        </a:xfrm>
+      </p:grpSpPr>
+      <p:sp>
+        <p:nvSpPr>
+          <p:cNvPr id="2" name="Title 1"/>
+          <p:cNvSpPr>
+            <a:spLocks noGrp="1"/>
+          </p:cNvSpPr>
+          <p:nvPr>
+            <p:ph type="ctrTitle"/>
+          </p:nvPr>
+        </p:nvSpPr>
+        <p:spPr>
+          <a:xfrm>
+            <a:off x="2262539" y="2807592"/>
+            <a:ext cx="8825658" cy="965235"/>
+          </a:xfrm>
+        </p:spPr>
+        <p:txBody>
+          <a:bodyPr/>
+          <a:lstStyle/>
+          <a:p>
+            <a:r>
+              <a:rPr lang="en-US" dirty="0" smtClean="0"/>
+              <a:t>Arabic Applications</a:t>
+            </a:r>
+            <a:endParaRPr lang="en-US" dirty="0"/>
+          </a:p>
+        </p:txBody>
+      </p:sp>
+      <p:sp>
+        <p:nvSpPr>
+          <p:cNvPr id="3" name="Subtitle 2"/>
+          <p:cNvSpPr>
+            <a:spLocks noGrp="1"/>
+          </p:cNvSpPr>
+          <p:nvPr>
+            <p:ph type="subTitle" idx="1"/>
+          </p:nvPr>
+        </p:nvSpPr>
+        <p:spPr/>
+        <p:txBody>
+          <a:bodyPr/>
+          <a:lstStyle/>
+          <a:p>
+            <a:endParaRPr lang="en-US"/>
+          </a:p>
+        </p:txBody>
+      </p:sp>
+    </p:spTree>
+    <p:extLst>
+      <p:ext uri="{BB962C8B-B14F-4D97-AF65-F5344CB8AC3E}">
+        <p14:creationId xmlns:p14="http://schemas.microsoft.com/office/powerpoint/2010/main" val="73596527"/>
+      </p:ext>
+    </p:extLst>
+  </p:cSld>
+  <p:clrMapOvr>
+    <a:masterClrMapping/>
+  </p:clrMapOvr>
+</p:sld>
+</file>
+
+<file path=ppt/slides/slide7.xml><?xml version="1.0" encoding="utf-8"?>
+<p:sld xmlns:a="http://schemas.openxmlformats.org/drawingml/2006/main" xmlns:r="http://schemas.openxmlformats.org/officeDocument/2006/relationships" xmlns:p="http://schemas.openxmlformats.org/presentationml/2006/main">
+  <p:cSld>
+    <p:spTree>
+      <p:nvGrpSpPr>
+        <p:cNvPr id="1" name=""/>
+        <p:cNvGrpSpPr/>
+        <p:nvPr/>
+      </p:nvGrpSpPr>
+      <p:grpSpPr>
+        <a:xfrm>
+          <a:off x="0" y="0"/>
+          <a:ext cx="0" cy="0"/>
+          <a:chOff x="0" y="0"/>
+          <a:chExt cx="0" cy="0"/>
+        </a:xfrm>
+      </p:grpSpPr>
+      <p:sp>
+        <p:nvSpPr>
+          <p:cNvPr id="2" name="Title 1"/>
+          <p:cNvSpPr>
+            <a:spLocks noGrp="1"/>
+          </p:cNvSpPr>
+          <p:nvPr>
+            <p:ph type="title"/>
+          </p:nvPr>
+        </p:nvSpPr>
+        <p:spPr>
+          <a:xfrm>
+            <a:off x="802926" y="2125606"/>
+            <a:ext cx="4820844" cy="1921580"/>
+          </a:xfrm>
+        </p:spPr>
+        <p:txBody>
+          <a:bodyPr>
+            <a:noAutofit/>
+          </a:bodyPr>
+          <a:lstStyle/>
+          <a:p>
+            <a:pPr algn="ctr"/>
+            <a:r>
+              <a:rPr lang="en-US" sz="3200" b="1" dirty="0"/>
+              <a:t>For Difficulty and delay of </a:t>
+            </a:r>
+            <a:r>
+              <a:rPr lang="en-US" sz="3200" b="1" dirty="0" smtClean="0"/>
+              <a:t>                           speech</a:t>
+            </a:r>
+            <a:endParaRPr lang="en-US" sz="3200" b="1" dirty="0"/>
+          </a:p>
+        </p:txBody>
+      </p:sp>
+      <p:sp>
+        <p:nvSpPr>
+          <p:cNvPr id="3" name="Picture Placeholder 2"/>
+          <p:cNvSpPr>
+            <a:spLocks noGrp="1"/>
+          </p:cNvSpPr>
+          <p:nvPr>
+            <p:ph type="pic" idx="1"/>
+          </p:nvPr>
+        </p:nvSpPr>
+        <p:spPr/>
+      </p:sp>
+      <p:sp>
+        <p:nvSpPr>
+          <p:cNvPr id="4" name="Text Placeholder 3"/>
+          <p:cNvSpPr>
+            <a:spLocks noGrp="1"/>
+          </p:cNvSpPr>
+          <p:nvPr>
+            <p:ph type="body" sz="half" idx="2"/>
+          </p:nvPr>
+        </p:nvSpPr>
+        <p:spPr>
+          <a:xfrm>
+            <a:off x="1365160" y="4533362"/>
+            <a:ext cx="3649005" cy="495837"/>
+          </a:xfrm>
+        </p:spPr>
+        <p:txBody>
+          <a:bodyPr/>
+          <a:lstStyle/>
+          <a:p>
+            <a:endParaRPr lang="en-US" dirty="0"/>
+          </a:p>
+        </p:txBody>
+      </p:sp>
+      <p:pic>
+        <p:nvPicPr>
+          <p:cNvPr id="5" name="Content Placeholder 3"/>
+          <p:cNvPicPr>
+            <a:picLocks noChangeAspect="1"/>
+          </p:cNvPicPr>
+          <p:nvPr/>
+        </p:nvPicPr>
+        <p:blipFill>
+          <a:blip r:embed="rId2"/>
+          <a:stretch>
+            <a:fillRect/>
+          </a:stretch>
+        </p:blipFill>
+        <p:spPr>
+          <a:xfrm>
+            <a:off x="6168876" y="1507420"/>
+            <a:ext cx="5756960" cy="4300359"/>
+          </a:xfrm>
+          <a:prstGeom prst="rect">
+            <a:avLst/>
+          </a:prstGeom>
+          <a:effectLst>
+            <a:outerShdw blurRad="50800" dist="50800" dir="5400000" algn="tl" rotWithShape="0">
+              <a:srgbClr val="000000">
+                <a:alpha val="43000"/>
+              </a:srgbClr>
+            </a:outerShdw>
+          </a:effectLst>
+        </p:spPr>
+      </p:pic>
+    </p:spTree>
+    <p:extLst>
+      <p:ext uri="{BB962C8B-B14F-4D97-AF65-F5344CB8AC3E}">
+        <p14:creationId xmlns:p14="http://schemas.microsoft.com/office/powerpoint/2010/main" val="764593555"/>
+      </p:ext>
+    </p:extLst>
+  </p:cSld>
+  <p:clrMapOvr>
+    <a:masterClrMapping/>
+  </p:clrMapOvr>
 </p:sld>
 </file>
 

--- a/Gp.pptx
+++ b/Gp.pptx
@@ -6,12 +6,15 @@
   </p:sldMasterIdLst>
   <p:sldIdLst>
     <p:sldId id="259" r:id="rId2"/>
-    <p:sldId id="269" r:id="rId3"/>
-    <p:sldId id="268" r:id="rId4"/>
-    <p:sldId id="264" r:id="rId5"/>
-    <p:sldId id="266" r:id="rId6"/>
-    <p:sldId id="260" r:id="rId7"/>
-    <p:sldId id="267" r:id="rId8"/>
+    <p:sldId id="268" r:id="rId3"/>
+    <p:sldId id="264" r:id="rId4"/>
+    <p:sldId id="266" r:id="rId5"/>
+    <p:sldId id="269" r:id="rId6"/>
+    <p:sldId id="270" r:id="rId7"/>
+    <p:sldId id="272" r:id="rId8"/>
+    <p:sldId id="271" r:id="rId9"/>
+    <p:sldId id="260" r:id="rId10"/>
+    <p:sldId id="267" r:id="rId11"/>
   </p:sldIdLst>
   <p:sldSz cx="12192000" cy="6858000"/>
   <p:notesSz cx="6858000" cy="9144000"/>
@@ -13341,7 +13344,7 @@
 </p:sld>
 </file>
 
-<file path=ppt/slides/slide2.xml><?xml version="1.0" encoding="utf-8"?>
+<file path=ppt/slides/slide10.xml><?xml version="1.0" encoding="utf-8"?>
 <p:sld xmlns:a="http://schemas.openxmlformats.org/drawingml/2006/main" xmlns:r="http://schemas.openxmlformats.org/officeDocument/2006/relationships" xmlns:p="http://schemas.openxmlformats.org/presentationml/2006/main">
   <p:cSld>
     <p:spTree>
@@ -13370,21 +13373,26 @@
         </p:nvSpPr>
         <p:spPr>
           <a:xfrm>
-            <a:off x="1132009" y="753175"/>
-            <a:ext cx="3865134" cy="1735667"/>
+            <a:off x="802926" y="2125606"/>
+            <a:ext cx="4820844" cy="1921580"/>
           </a:xfrm>
         </p:spPr>
         <p:txBody>
           <a:bodyPr>
-            <a:normAutofit fontScale="90000"/>
+            <a:noAutofit/>
           </a:bodyPr>
           <a:lstStyle/>
           <a:p>
-            <a:r>
-              <a:rPr lang="en-US" b="1" u="sng" dirty="0"/>
-              <a:t>Assistive Technology for Speech Difficulties</a:t>
-            </a:r>
-            <a:endParaRPr lang="en-US" dirty="0"/>
+            <a:pPr algn="ctr"/>
+            <a:r>
+              <a:rPr lang="en-US" sz="3200" b="1" dirty="0"/>
+              <a:t>For Difficulty and delay of </a:t>
+            </a:r>
+            <a:r>
+              <a:rPr lang="en-US" sz="3200" b="1" dirty="0" smtClean="0"/>
+              <a:t>                           speech</a:t>
+            </a:r>
+            <a:endParaRPr lang="en-US" sz="3200" b="1" dirty="0"/>
           </a:p>
         </p:txBody>
       </p:sp>
@@ -13412,50 +13420,21 @@
         </p:nvSpPr>
         <p:spPr>
           <a:xfrm>
-            <a:off x="875763" y="2788006"/>
-            <a:ext cx="4318707" cy="2724151"/>
+            <a:off x="1365160" y="4533362"/>
+            <a:ext cx="3649005" cy="495837"/>
           </a:xfrm>
         </p:spPr>
         <p:txBody>
-          <a:bodyPr>
-            <a:noAutofit/>
-          </a:bodyPr>
+          <a:bodyPr/>
           <a:lstStyle/>
           <a:p>
-            <a:r>
-              <a:rPr lang="en-US" sz="2000" b="1" u="sng" dirty="0" smtClean="0"/>
-              <a:t>Speech </a:t>
-            </a:r>
-            <a:r>
-              <a:rPr lang="en-US" sz="2000" b="1" u="sng" dirty="0"/>
-              <a:t>Journal</a:t>
-            </a:r>
-            <a:endParaRPr lang="en-US" sz="2000" b="1" dirty="0"/>
-          </a:p>
-          <a:p>
-            <a:r>
-              <a:rPr lang="en-US" sz="2000" b="1" dirty="0"/>
-              <a:t>Audio wed to images for multiple learning/teaching goals.</a:t>
-            </a:r>
-          </a:p>
-          <a:p>
-            <a:r>
-              <a:rPr lang="en-US" sz="2000" dirty="0"/>
-              <a:t>Price:  $3.99. </a:t>
-            </a:r>
-          </a:p>
-          <a:p>
-            <a:r>
-              <a:rPr lang="en-US" sz="2000" dirty="0"/>
-              <a:t>Platforms:  iPad.</a:t>
-            </a:r>
-            <a:endParaRPr lang="en-US" sz="2000" dirty="0"/>
+            <a:endParaRPr lang="en-US" dirty="0"/>
           </a:p>
         </p:txBody>
       </p:sp>
       <p:pic>
         <p:nvPicPr>
-          <p:cNvPr id="5" name="Picture 4"/>
+          <p:cNvPr id="5" name="Content Placeholder 3"/>
           <p:cNvPicPr>
             <a:picLocks noChangeAspect="1"/>
           </p:cNvPicPr>
@@ -13469,59 +13448,25 @@
         </p:blipFill>
         <p:spPr>
           <a:xfrm>
-            <a:off x="6378262" y="1232615"/>
-            <a:ext cx="4074895" cy="4482385"/>
+            <a:off x="6168876" y="1507420"/>
+            <a:ext cx="5756960" cy="4300359"/>
           </a:xfrm>
           <a:prstGeom prst="rect">
             <a:avLst/>
           </a:prstGeom>
+          <a:effectLst>
+            <a:outerShdw blurRad="50800" dist="50800" dir="5400000" algn="tl" rotWithShape="0">
+              <a:srgbClr val="000000">
+                <a:alpha val="43000"/>
+              </a:srgbClr>
+            </a:outerShdw>
+          </a:effectLst>
         </p:spPr>
       </p:pic>
-      <p:sp>
-        <p:nvSpPr>
-          <p:cNvPr id="6" name="Rectangle 5"/>
-          <p:cNvSpPr/>
-          <p:nvPr/>
-        </p:nvSpPr>
-        <p:spPr>
-          <a:xfrm>
-            <a:off x="643943" y="5367833"/>
-            <a:ext cx="4778063" cy="923330"/>
-          </a:xfrm>
-          <a:prstGeom prst="rect">
-            <a:avLst/>
-          </a:prstGeom>
-        </p:spPr>
-        <p:txBody>
-          <a:bodyPr wrap="square">
-            <a:spAutoFit/>
-          </a:bodyPr>
-          <a:lstStyle/>
-          <a:p>
-            <a:r>
-              <a:rPr lang="en-US" dirty="0">
-                <a:hlinkClick r:id="rId3"/>
-              </a:rPr>
-              <a:t>https://</a:t>
-            </a:r>
-            <a:r>
-              <a:rPr lang="en-US" dirty="0" smtClean="0">
-                <a:hlinkClick r:id="rId3"/>
-              </a:rPr>
-              <a:t>www.commonsense.org/education/top-picks/top-assistive-technology-for-speech-difficulties</a:t>
-            </a:r>
-            <a:r>
-              <a:rPr lang="en-US" dirty="0" smtClean="0"/>
-              <a:t> </a:t>
-            </a:r>
-            <a:endParaRPr lang="en-US" dirty="0"/>
-          </a:p>
-        </p:txBody>
-      </p:sp>
     </p:spTree>
     <p:extLst>
       <p:ext uri="{BB962C8B-B14F-4D97-AF65-F5344CB8AC3E}">
-        <p14:creationId xmlns:p14="http://schemas.microsoft.com/office/powerpoint/2010/main" val="1150886520"/>
+        <p14:creationId xmlns:p14="http://schemas.microsoft.com/office/powerpoint/2010/main" val="764593555"/>
       </p:ext>
     </p:extLst>
   </p:cSld>
@@ -13531,7 +13476,7 @@
 </p:sld>
 </file>
 
-<file path=ppt/slides/slide3.xml><?xml version="1.0" encoding="utf-8"?>
+<file path=ppt/slides/slide2.xml><?xml version="1.0" encoding="utf-8"?>
 <p:sld xmlns:a="http://schemas.openxmlformats.org/drawingml/2006/main" xmlns:r="http://schemas.openxmlformats.org/officeDocument/2006/relationships" xmlns:p="http://schemas.openxmlformats.org/presentationml/2006/main">
   <p:cSld>
     <p:spTree>
@@ -13704,7 +13649,7 @@
 </p:sld>
 </file>
 
-<file path=ppt/slides/slide4.xml><?xml version="1.0" encoding="utf-8"?>
+<file path=ppt/slides/slide3.xml><?xml version="1.0" encoding="utf-8"?>
 <p:sld xmlns:a="http://schemas.openxmlformats.org/drawingml/2006/main" xmlns:r="http://schemas.openxmlformats.org/officeDocument/2006/relationships" xmlns:p="http://schemas.openxmlformats.org/presentationml/2006/main">
   <p:cSld>
     <p:spTree>
@@ -13830,7 +13775,7 @@
 </p:sld>
 </file>
 
-<file path=ppt/slides/slide5.xml><?xml version="1.0" encoding="utf-8"?>
+<file path=ppt/slides/slide4.xml><?xml version="1.0" encoding="utf-8"?>
 <p:sld xmlns:a="http://schemas.openxmlformats.org/drawingml/2006/main" xmlns:r="http://schemas.openxmlformats.org/officeDocument/2006/relationships" xmlns:p="http://schemas.openxmlformats.org/presentationml/2006/main">
   <p:cSld>
     <p:spTree>
@@ -13914,7 +13859,6 @@
               <a:rPr lang="en-US" sz="2000" dirty="0"/>
               <a:t>on photos that contain numbers, food and emotions to listen them He can also write sentence and listen it or even record it.</a:t>
             </a:r>
-            <a:endParaRPr lang="en-US" sz="2000" dirty="0"/>
           </a:p>
         </p:txBody>
       </p:sp>
@@ -13991,6 +13935,178 @@
 </p:sld>
 </file>
 
+<file path=ppt/slides/slide5.xml><?xml version="1.0" encoding="utf-8"?>
+<p:sld xmlns:a="http://schemas.openxmlformats.org/drawingml/2006/main" xmlns:r="http://schemas.openxmlformats.org/officeDocument/2006/relationships" xmlns:p="http://schemas.openxmlformats.org/presentationml/2006/main">
+  <p:cSld>
+    <p:spTree>
+      <p:nvGrpSpPr>
+        <p:cNvPr id="1" name=""/>
+        <p:cNvGrpSpPr/>
+        <p:nvPr/>
+      </p:nvGrpSpPr>
+      <p:grpSpPr>
+        <a:xfrm>
+          <a:off x="0" y="0"/>
+          <a:ext cx="0" cy="0"/>
+          <a:chOff x="0" y="0"/>
+          <a:chExt cx="0" cy="0"/>
+        </a:xfrm>
+      </p:grpSpPr>
+      <p:sp>
+        <p:nvSpPr>
+          <p:cNvPr id="2" name="Title 1"/>
+          <p:cNvSpPr>
+            <a:spLocks noGrp="1"/>
+          </p:cNvSpPr>
+          <p:nvPr>
+            <p:ph type="title"/>
+          </p:nvPr>
+        </p:nvSpPr>
+        <p:spPr>
+          <a:xfrm>
+            <a:off x="1132009" y="753175"/>
+            <a:ext cx="3865134" cy="1735667"/>
+          </a:xfrm>
+        </p:spPr>
+        <p:txBody>
+          <a:bodyPr>
+            <a:normAutofit/>
+          </a:bodyPr>
+          <a:lstStyle/>
+          <a:p>
+            <a:r>
+              <a:rPr lang="en-US" dirty="0" smtClean="0"/>
+              <a:t>  </a:t>
+            </a:r>
+            <a:endParaRPr lang="en-US" dirty="0"/>
+          </a:p>
+        </p:txBody>
+      </p:sp>
+      <p:sp>
+        <p:nvSpPr>
+          <p:cNvPr id="3" name="Picture Placeholder 2"/>
+          <p:cNvSpPr>
+            <a:spLocks noGrp="1"/>
+          </p:cNvSpPr>
+          <p:nvPr>
+            <p:ph type="pic" idx="1"/>
+          </p:nvPr>
+        </p:nvSpPr>
+        <p:spPr/>
+      </p:sp>
+      <p:sp>
+        <p:nvSpPr>
+          <p:cNvPr id="4" name="Text Placeholder 3"/>
+          <p:cNvSpPr>
+            <a:spLocks noGrp="1"/>
+          </p:cNvSpPr>
+          <p:nvPr>
+            <p:ph type="body" sz="half" idx="2"/>
+          </p:nvPr>
+        </p:nvSpPr>
+        <p:spPr>
+          <a:xfrm>
+            <a:off x="875763" y="1975450"/>
+            <a:ext cx="4318707" cy="3536708"/>
+          </a:xfrm>
+        </p:spPr>
+        <p:txBody>
+          <a:bodyPr>
+            <a:noAutofit/>
+          </a:bodyPr>
+          <a:lstStyle/>
+          <a:p>
+            <a:r>
+              <a:rPr lang="en-US" sz="2000" b="1" u="sng" dirty="0" smtClean="0">
+                <a:solidFill>
+                  <a:schemeClr val="bg1"/>
+                </a:solidFill>
+              </a:rPr>
+              <a:t>Speech </a:t>
+            </a:r>
+            <a:r>
+              <a:rPr lang="en-US" sz="2000" b="1" u="sng" dirty="0" smtClean="0">
+                <a:solidFill>
+                  <a:schemeClr val="bg1"/>
+                </a:solidFill>
+              </a:rPr>
+              <a:t>Journal   </a:t>
+            </a:r>
+            <a:endParaRPr lang="en-US" sz="2000" b="1" dirty="0">
+              <a:solidFill>
+                <a:schemeClr val="bg1"/>
+              </a:solidFill>
+            </a:endParaRPr>
+          </a:p>
+          <a:p>
+            <a:r>
+              <a:rPr lang="en-US" sz="2000" b="1" dirty="0">
+                <a:solidFill>
+                  <a:schemeClr val="bg1"/>
+                </a:solidFill>
+              </a:rPr>
+              <a:t>Audio wed to images for multiple learning/teaching goals.</a:t>
+            </a:r>
+          </a:p>
+          <a:p>
+            <a:r>
+              <a:rPr lang="en-US" sz="2000" dirty="0">
+                <a:solidFill>
+                  <a:schemeClr val="bg1"/>
+                </a:solidFill>
+              </a:rPr>
+              <a:t>Price:  $3.99. </a:t>
+            </a:r>
+          </a:p>
+          <a:p>
+            <a:r>
+              <a:rPr lang="en-US" sz="2000" dirty="0">
+                <a:solidFill>
+                  <a:schemeClr val="bg1"/>
+                </a:solidFill>
+              </a:rPr>
+              <a:t>Platforms:  iPad.</a:t>
+            </a:r>
+          </a:p>
+        </p:txBody>
+      </p:sp>
+      <p:pic>
+        <p:nvPicPr>
+          <p:cNvPr id="5" name="Picture 4"/>
+          <p:cNvPicPr>
+            <a:picLocks noChangeAspect="1"/>
+          </p:cNvPicPr>
+          <p:nvPr/>
+        </p:nvPicPr>
+        <p:blipFill>
+          <a:blip r:embed="rId2"/>
+          <a:stretch>
+            <a:fillRect/>
+          </a:stretch>
+        </p:blipFill>
+        <p:spPr>
+          <a:xfrm>
+            <a:off x="6378262" y="1232615"/>
+            <a:ext cx="4074895" cy="4482385"/>
+          </a:xfrm>
+          <a:prstGeom prst="rect">
+            <a:avLst/>
+          </a:prstGeom>
+        </p:spPr>
+      </p:pic>
+    </p:spTree>
+    <p:extLst>
+      <p:ext uri="{BB962C8B-B14F-4D97-AF65-F5344CB8AC3E}">
+        <p14:creationId xmlns:p14="http://schemas.microsoft.com/office/powerpoint/2010/main" val="1150886520"/>
+      </p:ext>
+    </p:extLst>
+  </p:cSld>
+  <p:clrMapOvr>
+    <a:masterClrMapping/>
+  </p:clrMapOvr>
+</p:sld>
+</file>
+
 <file path=ppt/slides/slide6.xml><?xml version="1.0" encoding="utf-8"?>
 <p:sld xmlns:a="http://schemas.openxmlformats.org/drawingml/2006/main" xmlns:r="http://schemas.openxmlformats.org/officeDocument/2006/relationships" xmlns:p="http://schemas.openxmlformats.org/presentationml/2006/main">
   <p:cSld>
@@ -14015,35 +14131,7 @@
             <a:spLocks noGrp="1"/>
           </p:cNvSpPr>
           <p:nvPr>
-            <p:ph type="ctrTitle"/>
-          </p:nvPr>
-        </p:nvSpPr>
-        <p:spPr>
-          <a:xfrm>
-            <a:off x="2262539" y="2807592"/>
-            <a:ext cx="8825658" cy="965235"/>
-          </a:xfrm>
-        </p:spPr>
-        <p:txBody>
-          <a:bodyPr/>
-          <a:lstStyle/>
-          <a:p>
-            <a:r>
-              <a:rPr lang="en-US" dirty="0" smtClean="0"/>
-              <a:t>Arabic Applications</a:t>
-            </a:r>
-            <a:endParaRPr lang="en-US" dirty="0"/>
-          </a:p>
-        </p:txBody>
-      </p:sp>
-      <p:sp>
-        <p:nvSpPr>
-          <p:cNvPr id="3" name="Subtitle 2"/>
-          <p:cNvSpPr>
-            <a:spLocks noGrp="1"/>
-          </p:cNvSpPr>
-          <p:nvPr>
-            <p:ph type="subTitle" idx="1"/>
+            <p:ph type="title"/>
           </p:nvPr>
         </p:nvSpPr>
         <p:spPr/>
@@ -14051,14 +14139,84 @@
           <a:bodyPr/>
           <a:lstStyle/>
           <a:p>
-            <a:endParaRPr lang="en-US"/>
+            <a:r>
+              <a:rPr lang="en-US" b="1" dirty="0" smtClean="0"/>
+              <a:t>Speech therapy</a:t>
+            </a:r>
+            <a:br>
+              <a:rPr lang="en-US" b="1" dirty="0" smtClean="0"/>
+            </a:br>
+            <a:r>
+              <a:rPr lang="en-US" b="1" dirty="0" smtClean="0"/>
+              <a:t>Free</a:t>
+            </a:r>
+            <a:endParaRPr lang="en-US" b="1" dirty="0"/>
+          </a:p>
+        </p:txBody>
+      </p:sp>
+      <p:sp>
+        <p:nvSpPr>
+          <p:cNvPr id="3" name="Picture Placeholder 2"/>
+          <p:cNvSpPr>
+            <a:spLocks noGrp="1"/>
+          </p:cNvSpPr>
+          <p:nvPr>
+            <p:ph type="pic" idx="1"/>
+          </p:nvPr>
+        </p:nvSpPr>
+        <p:spPr/>
+      </p:sp>
+      <p:pic>
+        <p:nvPicPr>
+          <p:cNvPr id="5" name="Picture 4"/>
+          <p:cNvPicPr>
+            <a:picLocks noChangeAspect="1"/>
+          </p:cNvPicPr>
+          <p:nvPr/>
+        </p:nvPicPr>
+        <p:blipFill>
+          <a:blip r:embed="rId2"/>
+          <a:stretch>
+            <a:fillRect/>
+          </a:stretch>
+        </p:blipFill>
+        <p:spPr>
+          <a:xfrm>
+            <a:off x="6623213" y="2628900"/>
+            <a:ext cx="3076506" cy="1600200"/>
+          </a:xfrm>
+          <a:prstGeom prst="rect">
+            <a:avLst/>
+          </a:prstGeom>
+        </p:spPr>
+      </p:pic>
+      <p:sp>
+        <p:nvSpPr>
+          <p:cNvPr id="4" name="Text Placeholder 3"/>
+          <p:cNvSpPr>
+            <a:spLocks noGrp="1"/>
+          </p:cNvSpPr>
+          <p:nvPr>
+            <p:ph type="body" sz="half" idx="2"/>
+          </p:nvPr>
+        </p:nvSpPr>
+        <p:spPr/>
+        <p:txBody>
+          <a:bodyPr/>
+          <a:lstStyle/>
+          <a:p>
+            <a:r>
+              <a:rPr lang="en-US" dirty="0" smtClean="0"/>
+              <a:t> </a:t>
+            </a:r>
+            <a:endParaRPr lang="en-US" dirty="0"/>
           </a:p>
         </p:txBody>
       </p:sp>
     </p:spTree>
     <p:extLst>
       <p:ext uri="{BB962C8B-B14F-4D97-AF65-F5344CB8AC3E}">
-        <p14:creationId xmlns:p14="http://schemas.microsoft.com/office/powerpoint/2010/main" val="73596527"/>
+        <p14:creationId xmlns:p14="http://schemas.microsoft.com/office/powerpoint/2010/main" val="2579302807"/>
       </p:ext>
     </p:extLst>
   </p:cSld>
@@ -14095,28 +14253,15 @@
             <p:ph type="title"/>
           </p:nvPr>
         </p:nvSpPr>
-        <p:spPr>
-          <a:xfrm>
-            <a:off x="802926" y="2125606"/>
-            <a:ext cx="4820844" cy="1921580"/>
-          </a:xfrm>
-        </p:spPr>
+        <p:spPr/>
         <p:txBody>
-          <a:bodyPr>
-            <a:noAutofit/>
-          </a:bodyPr>
+          <a:bodyPr/>
           <a:lstStyle/>
           <a:p>
-            <a:pPr algn="ctr"/>
-            <a:r>
-              <a:rPr lang="en-US" sz="3200" b="1" dirty="0"/>
-              <a:t>For Difficulty and delay of </a:t>
-            </a:r>
-            <a:r>
-              <a:rPr lang="en-US" sz="3200" b="1" dirty="0" smtClean="0"/>
-              <a:t>                           speech</a:t>
-            </a:r>
-            <a:endParaRPr lang="en-US" sz="3200" b="1" dirty="0"/>
+            <a:r>
+              <a:rPr lang="en-US" dirty="0"/>
+              <a:t>Alzheimer Info </a:t>
+            </a:r>
           </a:p>
         </p:txBody>
       </p:sp>
@@ -14142,23 +14287,32 @@
             <p:ph type="body" sz="half" idx="2"/>
           </p:nvPr>
         </p:nvSpPr>
-        <p:spPr>
-          <a:xfrm>
-            <a:off x="1365160" y="4533362"/>
-            <a:ext cx="3649005" cy="495837"/>
-          </a:xfrm>
-        </p:spPr>
+        <p:spPr/>
         <p:txBody>
-          <a:bodyPr/>
+          <a:bodyPr>
+            <a:normAutofit/>
+          </a:bodyPr>
           <a:lstStyle/>
           <a:p>
-            <a:endParaRPr lang="en-US" dirty="0"/>
+            <a:r>
+              <a:rPr lang="en-US" sz="2400" b="1" dirty="0" smtClean="0">
+                <a:solidFill>
+                  <a:schemeClr val="bg1"/>
+                </a:solidFill>
+              </a:rPr>
+              <a:t>Free</a:t>
+            </a:r>
+            <a:endParaRPr lang="en-US" sz="2400" b="1" dirty="0">
+              <a:solidFill>
+                <a:schemeClr val="bg1"/>
+              </a:solidFill>
+            </a:endParaRPr>
           </a:p>
         </p:txBody>
       </p:sp>
       <p:pic>
         <p:nvPicPr>
-          <p:cNvPr id="5" name="Content Placeholder 3"/>
+          <p:cNvPr id="5" name="Picture 4"/>
           <p:cNvPicPr>
             <a:picLocks noChangeAspect="1"/>
           </p:cNvPicPr>
@@ -14172,25 +14326,212 @@
         </p:blipFill>
         <p:spPr>
           <a:xfrm>
-            <a:off x="6168876" y="1507420"/>
-            <a:ext cx="5756960" cy="4300359"/>
+            <a:off x="6547870" y="2100081"/>
+            <a:ext cx="3227193" cy="2450804"/>
           </a:xfrm>
           <a:prstGeom prst="rect">
             <a:avLst/>
           </a:prstGeom>
-          <a:effectLst>
-            <a:outerShdw blurRad="50800" dist="50800" dir="5400000" algn="tl" rotWithShape="0">
-              <a:srgbClr val="000000">
-                <a:alpha val="43000"/>
-              </a:srgbClr>
-            </a:outerShdw>
-          </a:effectLst>
         </p:spPr>
       </p:pic>
     </p:spTree>
     <p:extLst>
       <p:ext uri="{BB962C8B-B14F-4D97-AF65-F5344CB8AC3E}">
-        <p14:creationId xmlns:p14="http://schemas.microsoft.com/office/powerpoint/2010/main" val="764593555"/>
+        <p14:creationId xmlns:p14="http://schemas.microsoft.com/office/powerpoint/2010/main" val="758433015"/>
+      </p:ext>
+    </p:extLst>
+  </p:cSld>
+  <p:clrMapOvr>
+    <a:masterClrMapping/>
+  </p:clrMapOvr>
+</p:sld>
+</file>
+
+<file path=ppt/slides/slide8.xml><?xml version="1.0" encoding="utf-8"?>
+<p:sld xmlns:a="http://schemas.openxmlformats.org/drawingml/2006/main" xmlns:r="http://schemas.openxmlformats.org/officeDocument/2006/relationships" xmlns:p="http://schemas.openxmlformats.org/presentationml/2006/main">
+  <p:cSld>
+    <p:spTree>
+      <p:nvGrpSpPr>
+        <p:cNvPr id="1" name=""/>
+        <p:cNvGrpSpPr/>
+        <p:nvPr/>
+      </p:nvGrpSpPr>
+      <p:grpSpPr>
+        <a:xfrm>
+          <a:off x="0" y="0"/>
+          <a:ext cx="0" cy="0"/>
+          <a:chOff x="0" y="0"/>
+          <a:chExt cx="0" cy="0"/>
+        </a:xfrm>
+      </p:grpSpPr>
+      <p:sp>
+        <p:nvSpPr>
+          <p:cNvPr id="2" name="Title 1"/>
+          <p:cNvSpPr>
+            <a:spLocks noGrp="1"/>
+          </p:cNvSpPr>
+          <p:nvPr>
+            <p:ph type="title"/>
+          </p:nvPr>
+        </p:nvSpPr>
+        <p:spPr/>
+        <p:txBody>
+          <a:bodyPr>
+            <a:normAutofit fontScale="90000"/>
+          </a:bodyPr>
+          <a:lstStyle/>
+          <a:p>
+            <a:r>
+              <a:rPr lang="en-US" b="1" dirty="0"/>
+              <a:t>Samsung Memory Recaller</a:t>
+            </a:r>
+            <a:br>
+              <a:rPr lang="en-US" b="1" dirty="0"/>
+            </a:br>
+            <a:endParaRPr lang="en-US" dirty="0"/>
+          </a:p>
+        </p:txBody>
+      </p:sp>
+      <p:sp>
+        <p:nvSpPr>
+          <p:cNvPr id="3" name="Picture Placeholder 2"/>
+          <p:cNvSpPr>
+            <a:spLocks noGrp="1"/>
+          </p:cNvSpPr>
+          <p:nvPr>
+            <p:ph type="pic" idx="1"/>
+          </p:nvPr>
+        </p:nvSpPr>
+        <p:spPr/>
+      </p:sp>
+      <p:pic>
+        <p:nvPicPr>
+          <p:cNvPr id="5" name="Picture 4"/>
+          <p:cNvPicPr>
+            <a:picLocks noChangeAspect="1"/>
+          </p:cNvPicPr>
+          <p:nvPr/>
+        </p:nvPicPr>
+        <p:blipFill>
+          <a:blip r:embed="rId2"/>
+          <a:stretch>
+            <a:fillRect/>
+          </a:stretch>
+        </p:blipFill>
+        <p:spPr>
+          <a:xfrm>
+            <a:off x="7198691" y="1604514"/>
+            <a:ext cx="1925550" cy="3230294"/>
+          </a:xfrm>
+          <a:prstGeom prst="rect">
+            <a:avLst/>
+          </a:prstGeom>
+        </p:spPr>
+      </p:pic>
+      <p:sp>
+        <p:nvSpPr>
+          <p:cNvPr id="4" name="Text Placeholder 3"/>
+          <p:cNvSpPr>
+            <a:spLocks noGrp="1"/>
+          </p:cNvSpPr>
+          <p:nvPr>
+            <p:ph type="body" sz="half" idx="2"/>
+          </p:nvPr>
+        </p:nvSpPr>
+        <p:spPr/>
+        <p:txBody>
+          <a:bodyPr/>
+          <a:lstStyle/>
+          <a:p>
+            <a:r>
+              <a:rPr lang="en-US" dirty="0" smtClean="0"/>
+              <a:t> </a:t>
+            </a:r>
+            <a:endParaRPr lang="en-US" dirty="0"/>
+          </a:p>
+        </p:txBody>
+      </p:sp>
+    </p:spTree>
+    <p:extLst>
+      <p:ext uri="{BB962C8B-B14F-4D97-AF65-F5344CB8AC3E}">
+        <p14:creationId xmlns:p14="http://schemas.microsoft.com/office/powerpoint/2010/main" val="1664616279"/>
+      </p:ext>
+    </p:extLst>
+  </p:cSld>
+  <p:clrMapOvr>
+    <a:masterClrMapping/>
+  </p:clrMapOvr>
+</p:sld>
+</file>
+
+<file path=ppt/slides/slide9.xml><?xml version="1.0" encoding="utf-8"?>
+<p:sld xmlns:a="http://schemas.openxmlformats.org/drawingml/2006/main" xmlns:r="http://schemas.openxmlformats.org/officeDocument/2006/relationships" xmlns:p="http://schemas.openxmlformats.org/presentationml/2006/main">
+  <p:cSld>
+    <p:spTree>
+      <p:nvGrpSpPr>
+        <p:cNvPr id="1" name=""/>
+        <p:cNvGrpSpPr/>
+        <p:nvPr/>
+      </p:nvGrpSpPr>
+      <p:grpSpPr>
+        <a:xfrm>
+          <a:off x="0" y="0"/>
+          <a:ext cx="0" cy="0"/>
+          <a:chOff x="0" y="0"/>
+          <a:chExt cx="0" cy="0"/>
+        </a:xfrm>
+      </p:grpSpPr>
+      <p:sp>
+        <p:nvSpPr>
+          <p:cNvPr id="2" name="Title 1"/>
+          <p:cNvSpPr>
+            <a:spLocks noGrp="1"/>
+          </p:cNvSpPr>
+          <p:nvPr>
+            <p:ph type="ctrTitle"/>
+          </p:nvPr>
+        </p:nvSpPr>
+        <p:spPr>
+          <a:xfrm>
+            <a:off x="2262539" y="2807592"/>
+            <a:ext cx="8825658" cy="965235"/>
+          </a:xfrm>
+        </p:spPr>
+        <p:txBody>
+          <a:bodyPr/>
+          <a:lstStyle/>
+          <a:p>
+            <a:r>
+              <a:rPr lang="en-US" dirty="0" smtClean="0"/>
+              <a:t>Arabic Applications</a:t>
+            </a:r>
+            <a:endParaRPr lang="en-US" dirty="0"/>
+          </a:p>
+        </p:txBody>
+      </p:sp>
+      <p:sp>
+        <p:nvSpPr>
+          <p:cNvPr id="3" name="Subtitle 2"/>
+          <p:cNvSpPr>
+            <a:spLocks noGrp="1"/>
+          </p:cNvSpPr>
+          <p:nvPr>
+            <p:ph type="subTitle" idx="1"/>
+          </p:nvPr>
+        </p:nvSpPr>
+        <p:spPr/>
+        <p:txBody>
+          <a:bodyPr/>
+          <a:lstStyle/>
+          <a:p>
+            <a:endParaRPr lang="en-US"/>
+          </a:p>
+        </p:txBody>
+      </p:sp>
+    </p:spTree>
+    <p:extLst>
+      <p:ext uri="{BB962C8B-B14F-4D97-AF65-F5344CB8AC3E}">
+        <p14:creationId xmlns:p14="http://schemas.microsoft.com/office/powerpoint/2010/main" val="73596527"/>
       </p:ext>
     </p:extLst>
   </p:cSld>
